--- a/Thumbnail.pptx
+++ b/Thumbnail.pptx
@@ -104,6 +104,11 @@
       </a:defRPr>
     </a:lvl9pPr>
   </p:defaultTextStyle>
+  <p:extLst>
+    <p:ext uri="{EFAFB233-063F-42B5-8137-9DF3F51BA10A}">
+      <p15:sldGuideLst xmlns:p15="http://schemas.microsoft.com/office/powerpoint/2012/main"/>
+    </p:ext>
+  </p:extLst>
 </p:presentation>
 </file>
 
@@ -1319,7 +1324,7 @@
             <a:fld id="{9334D819-9F07-4261-B09B-9E467E5D9002}" type="datetimeFigureOut">
               <a:rPr lang="en-US" dirty="0"/>
               <a:pPr/>
-              <a:t>6/1/2020</a:t>
+              <a:t>6/3/2020</a:t>
             </a:fld>
             <a:endParaRPr lang="en-US" dirty="0"/>
           </a:p>
@@ -1553,7 +1558,7 @@
           <a:p>
             <a:fld id="{9334D819-9F07-4261-B09B-9E467E5D9002}" type="datetimeFigureOut">
               <a:rPr lang="en-US" dirty="0"/>
-              <a:t>6/1/2020</a:t>
+              <a:t>6/3/2020</a:t>
             </a:fld>
             <a:endParaRPr lang="en-US" dirty="0"/>
           </a:p>
@@ -1728,7 +1733,7 @@
           <a:p>
             <a:fld id="{9334D819-9F07-4261-B09B-9E467E5D9002}" type="datetimeFigureOut">
               <a:rPr lang="en-US" dirty="0"/>
-              <a:t>6/1/2020</a:t>
+              <a:t>6/3/2020</a:t>
             </a:fld>
             <a:endParaRPr lang="en-US" dirty="0"/>
           </a:p>
@@ -1893,7 +1898,7 @@
           <a:p>
             <a:fld id="{9334D819-9F07-4261-B09B-9E467E5D9002}" type="datetimeFigureOut">
               <a:rPr lang="en-US" dirty="0"/>
-              <a:t>6/1/2020</a:t>
+              <a:t>6/3/2020</a:t>
             </a:fld>
             <a:endParaRPr lang="en-US" dirty="0"/>
           </a:p>
@@ -2165,7 +2170,7 @@
             <a:fld id="{9334D819-9F07-4261-B09B-9E467E5D9002}" type="datetimeFigureOut">
               <a:rPr lang="en-US" dirty="0"/>
               <a:pPr/>
-              <a:t>6/1/2020</a:t>
+              <a:t>6/3/2020</a:t>
             </a:fld>
             <a:endParaRPr lang="en-US" dirty="0"/>
           </a:p>
@@ -3362,7 +3367,7 @@
           <a:p>
             <a:fld id="{9334D819-9F07-4261-B09B-9E467E5D9002}" type="datetimeFigureOut">
               <a:rPr lang="en-US" dirty="0"/>
-              <a:t>6/1/2020</a:t>
+              <a:t>6/3/2020</a:t>
             </a:fld>
             <a:endParaRPr lang="en-US" dirty="0"/>
           </a:p>
@@ -3747,7 +3752,7 @@
           <a:p>
             <a:fld id="{9334D819-9F07-4261-B09B-9E467E5D9002}" type="datetimeFigureOut">
               <a:rPr lang="en-US" dirty="0"/>
-              <a:t>6/1/2020</a:t>
+              <a:t>6/3/2020</a:t>
             </a:fld>
             <a:endParaRPr lang="en-US" dirty="0"/>
           </a:p>
@@ -3865,7 +3870,7 @@
           <a:p>
             <a:fld id="{9334D819-9F07-4261-B09B-9E467E5D9002}" type="datetimeFigureOut">
               <a:rPr lang="en-US" dirty="0"/>
-              <a:t>6/1/2020</a:t>
+              <a:t>6/3/2020</a:t>
             </a:fld>
             <a:endParaRPr lang="en-US" dirty="0"/>
           </a:p>
@@ -3955,7 +3960,7 @@
           <a:p>
             <a:fld id="{9334D819-9F07-4261-B09B-9E467E5D9002}" type="datetimeFigureOut">
               <a:rPr lang="en-US" dirty="0"/>
-              <a:t>6/1/2020</a:t>
+              <a:t>6/3/2020</a:t>
             </a:fld>
             <a:endParaRPr lang="en-US" dirty="0"/>
           </a:p>
@@ -4713,7 +4718,7 @@
           <a:p>
             <a:fld id="{9334D819-9F07-4261-B09B-9E467E5D9002}" type="datetimeFigureOut">
               <a:rPr lang="en-US" dirty="0"/>
-              <a:t>6/1/2020</a:t>
+              <a:t>6/3/2020</a:t>
             </a:fld>
             <a:endParaRPr lang="en-US" dirty="0"/>
           </a:p>
@@ -5548,7 +5553,7 @@
           <a:p>
             <a:fld id="{9334D819-9F07-4261-B09B-9E467E5D9002}" type="datetimeFigureOut">
               <a:rPr lang="en-US" dirty="0"/>
-              <a:t>6/1/2020</a:t>
+              <a:t>6/3/2020</a:t>
             </a:fld>
             <a:endParaRPr lang="en-US" dirty="0"/>
           </a:p>
@@ -5771,7 +5776,7 @@
             <a:fld id="{9334D819-9F07-4261-B09B-9E467E5D9002}" type="datetimeFigureOut">
               <a:rPr lang="en-US" dirty="0"/>
               <a:pPr/>
-              <a:t>6/1/2020</a:t>
+              <a:t>6/3/2020</a:t>
             </a:fld>
             <a:endParaRPr lang="en-US" dirty="0"/>
           </a:p>
@@ -6776,14 +6781,19 @@
             <p:ph type="subTitle" idx="1"/>
           </p:nvPr>
         </p:nvSpPr>
-        <p:spPr/>
+        <p:spPr>
+          <a:xfrm>
+            <a:off x="2215045" y="5979196"/>
+            <a:ext cx="8326681" cy="742279"/>
+          </a:xfrm>
+        </p:spPr>
         <p:txBody>
           <a:bodyPr/>
           <a:lstStyle/>
           <a:p>
             <a:r>
               <a:rPr lang="en-GB" dirty="0" smtClean="0"/>
-              <a:t>PERMUTATION AND COMBINATION IN ONE LINE OF CODE</a:t>
+              <a:t> Conditional statement in python (if,Elif,else)</a:t>
             </a:r>
             <a:endParaRPr lang="en-US" dirty="0"/>
           </a:p>
@@ -6817,82 +6827,6 @@
               <a:t>PYTHON PROGRAMMING</a:t>
             </a:r>
             <a:endParaRPr lang="en-US" sz="4000" b="1" dirty="0"/>
-          </a:p>
-        </p:txBody>
-      </p:sp>
-      <p:sp>
-        <p:nvSpPr>
-          <p:cNvPr id="5" name="TextBox 4"/>
-          <p:cNvSpPr txBox="1"/>
-          <p:nvPr/>
-        </p:nvSpPr>
-        <p:spPr>
-          <a:xfrm rot="18929095">
-            <a:off x="77087" y="1085473"/>
-            <a:ext cx="3536741" cy="646331"/>
-          </a:xfrm>
-          <a:prstGeom prst="rect">
-            <a:avLst/>
-          </a:prstGeom>
-          <a:noFill/>
-        </p:spPr>
-        <p:txBody>
-          <a:bodyPr wrap="square" rtlCol="0">
-            <a:spAutoFit/>
-          </a:bodyPr>
-          <a:lstStyle/>
-          <a:p>
-            <a:r>
-              <a:rPr lang="en-GB" sz="3600" dirty="0" smtClean="0">
-                <a:solidFill>
-                  <a:schemeClr val="bg1"/>
-                </a:solidFill>
-              </a:rPr>
-              <a:t>PERMUTATION</a:t>
-            </a:r>
-            <a:endParaRPr lang="en-US" sz="3600" dirty="0">
-              <a:solidFill>
-                <a:schemeClr val="bg1"/>
-              </a:solidFill>
-            </a:endParaRPr>
-          </a:p>
-        </p:txBody>
-      </p:sp>
-      <p:sp>
-        <p:nvSpPr>
-          <p:cNvPr id="8" name="TextBox 7"/>
-          <p:cNvSpPr txBox="1"/>
-          <p:nvPr/>
-        </p:nvSpPr>
-        <p:spPr>
-          <a:xfrm rot="2482230">
-            <a:off x="9151716" y="1116250"/>
-            <a:ext cx="3252918" cy="584775"/>
-          </a:xfrm>
-          <a:prstGeom prst="rect">
-            <a:avLst/>
-          </a:prstGeom>
-          <a:noFill/>
-        </p:spPr>
-        <p:txBody>
-          <a:bodyPr wrap="square" rtlCol="0">
-            <a:spAutoFit/>
-          </a:bodyPr>
-          <a:lstStyle/>
-          <a:p>
-            <a:r>
-              <a:rPr lang="en-GB" sz="3200" dirty="0" smtClean="0">
-                <a:solidFill>
-                  <a:schemeClr val="bg1"/>
-                </a:solidFill>
-              </a:rPr>
-              <a:t>COMBINATION</a:t>
-            </a:r>
-            <a:endParaRPr lang="en-US" sz="2000" dirty="0">
-              <a:solidFill>
-                <a:schemeClr val="bg1"/>
-              </a:solidFill>
-            </a:endParaRPr>
           </a:p>
         </p:txBody>
       </p:sp>
